--- a/Mechanical/Schemenskizzen/Powerpoint/Schanier.pptx
+++ b/Mechanical/Schemenskizzen/Powerpoint/Schanier.pptx
@@ -104,6 +104,11 @@
       </a:defRPr>
     </a:lvl9pPr>
   </p:defaultTextStyle>
+  <p:extLst>
+    <p:ext uri="{EFAFB233-063F-42B5-8137-9DF3F51BA10A}">
+      <p15:sldGuideLst xmlns:p15="http://schemas.microsoft.com/office/powerpoint/2012/main"/>
+    </p:ext>
+  </p:extLst>
 </p:presentation>
 </file>
 
@@ -256,7 +261,7 @@
           <a:p>
             <a:fld id="{62AAC1E0-DC56-49BB-9A0E-9C3E9CCB2618}" type="datetimeFigureOut">
               <a:rPr lang="de-AT" smtClean="0"/>
-              <a:t>09.02.2018</a:t>
+              <a:t>18.02.2018</a:t>
             </a:fld>
             <a:endParaRPr lang="de-AT"/>
           </a:p>
@@ -456,7 +461,7 @@
           <a:p>
             <a:fld id="{62AAC1E0-DC56-49BB-9A0E-9C3E9CCB2618}" type="datetimeFigureOut">
               <a:rPr lang="de-AT" smtClean="0"/>
-              <a:t>09.02.2018</a:t>
+              <a:t>18.02.2018</a:t>
             </a:fld>
             <a:endParaRPr lang="de-AT"/>
           </a:p>
@@ -666,7 +671,7 @@
           <a:p>
             <a:fld id="{62AAC1E0-DC56-49BB-9A0E-9C3E9CCB2618}" type="datetimeFigureOut">
               <a:rPr lang="de-AT" smtClean="0"/>
-              <a:t>09.02.2018</a:t>
+              <a:t>18.02.2018</a:t>
             </a:fld>
             <a:endParaRPr lang="de-AT"/>
           </a:p>
@@ -866,7 +871,7 @@
           <a:p>
             <a:fld id="{62AAC1E0-DC56-49BB-9A0E-9C3E9CCB2618}" type="datetimeFigureOut">
               <a:rPr lang="de-AT" smtClean="0"/>
-              <a:t>09.02.2018</a:t>
+              <a:t>18.02.2018</a:t>
             </a:fld>
             <a:endParaRPr lang="de-AT"/>
           </a:p>
@@ -1142,7 +1147,7 @@
           <a:p>
             <a:fld id="{62AAC1E0-DC56-49BB-9A0E-9C3E9CCB2618}" type="datetimeFigureOut">
               <a:rPr lang="de-AT" smtClean="0"/>
-              <a:t>09.02.2018</a:t>
+              <a:t>18.02.2018</a:t>
             </a:fld>
             <a:endParaRPr lang="de-AT"/>
           </a:p>
@@ -1410,7 +1415,7 @@
           <a:p>
             <a:fld id="{62AAC1E0-DC56-49BB-9A0E-9C3E9CCB2618}" type="datetimeFigureOut">
               <a:rPr lang="de-AT" smtClean="0"/>
-              <a:t>09.02.2018</a:t>
+              <a:t>18.02.2018</a:t>
             </a:fld>
             <a:endParaRPr lang="de-AT"/>
           </a:p>
@@ -1825,7 +1830,7 @@
           <a:p>
             <a:fld id="{62AAC1E0-DC56-49BB-9A0E-9C3E9CCB2618}" type="datetimeFigureOut">
               <a:rPr lang="de-AT" smtClean="0"/>
-              <a:t>09.02.2018</a:t>
+              <a:t>18.02.2018</a:t>
             </a:fld>
             <a:endParaRPr lang="de-AT"/>
           </a:p>
@@ -1967,7 +1972,7 @@
           <a:p>
             <a:fld id="{62AAC1E0-DC56-49BB-9A0E-9C3E9CCB2618}" type="datetimeFigureOut">
               <a:rPr lang="de-AT" smtClean="0"/>
-              <a:t>09.02.2018</a:t>
+              <a:t>18.02.2018</a:t>
             </a:fld>
             <a:endParaRPr lang="de-AT"/>
           </a:p>
@@ -2080,7 +2085,7 @@
           <a:p>
             <a:fld id="{62AAC1E0-DC56-49BB-9A0E-9C3E9CCB2618}" type="datetimeFigureOut">
               <a:rPr lang="de-AT" smtClean="0"/>
-              <a:t>09.02.2018</a:t>
+              <a:t>18.02.2018</a:t>
             </a:fld>
             <a:endParaRPr lang="de-AT"/>
           </a:p>
@@ -2393,7 +2398,7 @@
           <a:p>
             <a:fld id="{62AAC1E0-DC56-49BB-9A0E-9C3E9CCB2618}" type="datetimeFigureOut">
               <a:rPr lang="de-AT" smtClean="0"/>
-              <a:t>09.02.2018</a:t>
+              <a:t>18.02.2018</a:t>
             </a:fld>
             <a:endParaRPr lang="de-AT"/>
           </a:p>
@@ -2682,7 +2687,7 @@
           <a:p>
             <a:fld id="{62AAC1E0-DC56-49BB-9A0E-9C3E9CCB2618}" type="datetimeFigureOut">
               <a:rPr lang="de-AT" smtClean="0"/>
-              <a:t>09.02.2018</a:t>
+              <a:t>18.02.2018</a:t>
             </a:fld>
             <a:endParaRPr lang="de-AT"/>
           </a:p>
@@ -2925,7 +2930,7 @@
           <a:p>
             <a:fld id="{62AAC1E0-DC56-49BB-9A0E-9C3E9CCB2618}" type="datetimeFigureOut">
               <a:rPr lang="de-AT" smtClean="0"/>
-              <a:t>09.02.2018</a:t>
+              <a:t>18.02.2018</a:t>
             </a:fld>
             <a:endParaRPr lang="de-AT"/>
           </a:p>
@@ -3344,10 +3349,10 @@
       </p:grpSpPr>
       <p:grpSp>
         <p:nvGrpSpPr>
-          <p:cNvPr id="26" name="Gruppieren 25">
-            <a:extLst>
-              <a:ext uri="{FF2B5EF4-FFF2-40B4-BE49-F238E27FC236}">
-                <a16:creationId xmlns:a16="http://schemas.microsoft.com/office/drawing/2014/main" id="{61A5C09A-1F35-4A55-9FEA-FCFE7633690B}"/>
+          <p:cNvPr id="6" name="Gruppieren 5">
+            <a:extLst>
+              <a:ext uri="{FF2B5EF4-FFF2-40B4-BE49-F238E27FC236}">
+                <a16:creationId xmlns:a16="http://schemas.microsoft.com/office/drawing/2014/main" id="{FAC4B51B-B0DB-48F8-8BF8-CA9AC6D4049D}"/>
               </a:ext>
             </a:extLst>
           </p:cNvPr>
@@ -3356,543 +3361,585 @@
         </p:nvGrpSpPr>
         <p:grpSpPr>
           <a:xfrm>
-            <a:off x="2372139" y="848137"/>
-            <a:ext cx="5950226" cy="3180524"/>
-            <a:chOff x="2372139" y="848137"/>
-            <a:chExt cx="5950226" cy="3180524"/>
+            <a:off x="2471956" y="1601238"/>
+            <a:ext cx="5950226" cy="2845080"/>
+            <a:chOff x="2446789" y="955286"/>
+            <a:chExt cx="5950226" cy="2845080"/>
           </a:xfrm>
         </p:grpSpPr>
-        <p:sp>
-          <p:nvSpPr>
-            <p:cNvPr id="4" name="Rechteck 3">
+        <p:grpSp>
+          <p:nvGrpSpPr>
+            <p:cNvPr id="3" name="Gruppieren 2">
               <a:extLst>
                 <a:ext uri="{FF2B5EF4-FFF2-40B4-BE49-F238E27FC236}">
-                  <a16:creationId xmlns:a16="http://schemas.microsoft.com/office/drawing/2014/main" id="{FAF2327D-8520-4848-896B-82DABFDC774E}"/>
+                  <a16:creationId xmlns:a16="http://schemas.microsoft.com/office/drawing/2014/main" id="{D67F46F9-A664-4AD0-A9B7-58BF6768C05C}"/>
                 </a:ext>
               </a:extLst>
             </p:cNvPr>
-            <p:cNvSpPr/>
+            <p:cNvGrpSpPr/>
             <p:nvPr/>
-          </p:nvSpPr>
-          <p:spPr>
+          </p:nvGrpSpPr>
+          <p:grpSpPr>
             <a:xfrm>
-              <a:off x="2676939" y="1179443"/>
-              <a:ext cx="2292626" cy="1550505"/>
+              <a:off x="2446789" y="1759529"/>
+              <a:ext cx="5950226" cy="2040837"/>
+              <a:chOff x="2372139" y="848137"/>
+              <a:chExt cx="5950226" cy="2040837"/>
             </a:xfrm>
-            <a:prstGeom prst="rect">
-              <a:avLst/>
-            </a:prstGeom>
-            <a:solidFill>
-              <a:schemeClr val="accent1">
-                <a:lumMod val="40000"/>
-                <a:lumOff val="60000"/>
-              </a:schemeClr>
-            </a:solidFill>
-          </p:spPr>
-          <p:style>
-            <a:lnRef idx="2">
-              <a:schemeClr val="accent1">
-                <a:shade val="50000"/>
-              </a:schemeClr>
-            </a:lnRef>
-            <a:fillRef idx="1">
-              <a:schemeClr val="accent1"/>
-            </a:fillRef>
-            <a:effectRef idx="0">
-              <a:schemeClr val="accent1"/>
-            </a:effectRef>
-            <a:fontRef idx="minor">
-              <a:schemeClr val="lt1"/>
-            </a:fontRef>
-          </p:style>
-          <p:txBody>
-            <a:bodyPr rtlCol="0" anchor="ctr"/>
-            <a:lstStyle/>
-            <a:p>
-              <a:pPr algn="ctr"/>
-              <a:endParaRPr lang="de-AT"/>
-            </a:p>
-          </p:txBody>
-        </p:sp>
-        <p:sp>
-          <p:nvSpPr>
-            <p:cNvPr id="5" name="Rechteck 4">
+          </p:grpSpPr>
+          <p:sp>
+            <p:nvSpPr>
+              <p:cNvPr id="4" name="Rechteck 3">
+                <a:extLst>
+                  <a:ext uri="{FF2B5EF4-FFF2-40B4-BE49-F238E27FC236}">
+                    <a16:creationId xmlns:a16="http://schemas.microsoft.com/office/drawing/2014/main" id="{FAF2327D-8520-4848-896B-82DABFDC774E}"/>
+                  </a:ext>
+                </a:extLst>
+              </p:cNvPr>
+              <p:cNvSpPr/>
+              <p:nvPr/>
+            </p:nvSpPr>
+            <p:spPr>
+              <a:xfrm>
+                <a:off x="2676939" y="1179443"/>
+                <a:ext cx="2292626" cy="1550505"/>
+              </a:xfrm>
+              <a:prstGeom prst="rect">
+                <a:avLst/>
+              </a:prstGeom>
+              <a:solidFill>
+                <a:schemeClr val="accent1">
+                  <a:lumMod val="40000"/>
+                  <a:lumOff val="60000"/>
+                </a:schemeClr>
+              </a:solidFill>
+            </p:spPr>
+            <p:style>
+              <a:lnRef idx="2">
+                <a:schemeClr val="accent1">
+                  <a:shade val="50000"/>
+                </a:schemeClr>
+              </a:lnRef>
+              <a:fillRef idx="1">
+                <a:schemeClr val="accent1"/>
+              </a:fillRef>
+              <a:effectRef idx="0">
+                <a:schemeClr val="accent1"/>
+              </a:effectRef>
+              <a:fontRef idx="minor">
+                <a:schemeClr val="lt1"/>
+              </a:fontRef>
+            </p:style>
+            <p:txBody>
+              <a:bodyPr rtlCol="0" anchor="ctr"/>
+              <a:lstStyle/>
+              <a:p>
+                <a:pPr algn="ctr"/>
+                <a:endParaRPr lang="de-AT"/>
+              </a:p>
+            </p:txBody>
+          </p:sp>
+          <p:sp>
+            <p:nvSpPr>
+              <p:cNvPr id="5" name="Rechteck 4">
+                <a:extLst>
+                  <a:ext uri="{FF2B5EF4-FFF2-40B4-BE49-F238E27FC236}">
+                    <a16:creationId xmlns:a16="http://schemas.microsoft.com/office/drawing/2014/main" id="{7F6E3DFA-1EFC-430A-82A3-CE702F0377B0}"/>
+                  </a:ext>
+                </a:extLst>
+              </p:cNvPr>
+              <p:cNvSpPr/>
+              <p:nvPr/>
+            </p:nvSpPr>
+            <p:spPr>
+              <a:xfrm>
+                <a:off x="4969565" y="1179443"/>
+                <a:ext cx="622852" cy="1550505"/>
+              </a:xfrm>
+              <a:prstGeom prst="rect">
+                <a:avLst/>
+              </a:prstGeom>
+            </p:spPr>
+            <p:style>
+              <a:lnRef idx="2">
+                <a:schemeClr val="accent1">
+                  <a:shade val="50000"/>
+                </a:schemeClr>
+              </a:lnRef>
+              <a:fillRef idx="1">
+                <a:schemeClr val="accent1"/>
+              </a:fillRef>
+              <a:effectRef idx="0">
+                <a:schemeClr val="accent1"/>
+              </a:effectRef>
+              <a:fontRef idx="minor">
+                <a:schemeClr val="lt1"/>
+              </a:fontRef>
+            </p:style>
+            <p:txBody>
+              <a:bodyPr rtlCol="0" anchor="ctr"/>
+              <a:lstStyle/>
+              <a:p>
+                <a:pPr algn="ctr"/>
+                <a:endParaRPr lang="de-AT"/>
+              </a:p>
+            </p:txBody>
+          </p:sp>
+          <p:sp>
+            <p:nvSpPr>
+              <p:cNvPr id="7" name="Rechteck 6">
+                <a:extLst>
+                  <a:ext uri="{FF2B5EF4-FFF2-40B4-BE49-F238E27FC236}">
+                    <a16:creationId xmlns:a16="http://schemas.microsoft.com/office/drawing/2014/main" id="{B809F9D8-FF6B-4A67-8A58-79BAB5A07830}"/>
+                  </a:ext>
+                </a:extLst>
+              </p:cNvPr>
+              <p:cNvSpPr/>
+              <p:nvPr/>
+            </p:nvSpPr>
+            <p:spPr>
+              <a:xfrm>
+                <a:off x="5592417" y="1179442"/>
+                <a:ext cx="2292626" cy="1550505"/>
+              </a:xfrm>
+              <a:prstGeom prst="rect">
+                <a:avLst/>
+              </a:prstGeom>
+              <a:solidFill>
+                <a:schemeClr val="accent1">
+                  <a:lumMod val="40000"/>
+                  <a:lumOff val="60000"/>
+                </a:schemeClr>
+              </a:solidFill>
+            </p:spPr>
+            <p:style>
+              <a:lnRef idx="2">
+                <a:schemeClr val="accent1">
+                  <a:shade val="50000"/>
+                </a:schemeClr>
+              </a:lnRef>
+              <a:fillRef idx="1">
+                <a:schemeClr val="accent1"/>
+              </a:fillRef>
+              <a:effectRef idx="0">
+                <a:schemeClr val="accent1"/>
+              </a:effectRef>
+              <a:fontRef idx="minor">
+                <a:schemeClr val="lt1"/>
+              </a:fontRef>
+            </p:style>
+            <p:txBody>
+              <a:bodyPr rtlCol="0" anchor="ctr"/>
+              <a:lstStyle/>
+              <a:p>
+                <a:pPr algn="ctr"/>
+                <a:endParaRPr lang="de-AT"/>
+              </a:p>
+            </p:txBody>
+          </p:sp>
+          <p:cxnSp>
+            <p:nvCxnSpPr>
+              <p:cNvPr id="9" name="Gerader Verbinder 8">
+                <a:extLst>
+                  <a:ext uri="{FF2B5EF4-FFF2-40B4-BE49-F238E27FC236}">
+                    <a16:creationId xmlns:a16="http://schemas.microsoft.com/office/drawing/2014/main" id="{A5BF23A9-3F2C-4F0E-8A49-62D3F72DD677}"/>
+                  </a:ext>
+                </a:extLst>
+              </p:cNvPr>
+              <p:cNvCxnSpPr/>
+              <p:nvPr/>
+            </p:nvCxnSpPr>
+            <p:spPr>
+              <a:xfrm>
+                <a:off x="2372139" y="1954694"/>
+                <a:ext cx="5950226" cy="0"/>
+              </a:xfrm>
+              <a:prstGeom prst="line">
+                <a:avLst/>
+              </a:prstGeom>
+              <a:ln w="9525" cap="flat" cmpd="sng" algn="ctr">
+                <a:solidFill>
+                  <a:schemeClr val="dk1"/>
+                </a:solidFill>
+                <a:prstDash val="dash"/>
+                <a:round/>
+                <a:headEnd type="none" w="med" len="med"/>
+                <a:tailEnd type="none" w="med" len="med"/>
+              </a:ln>
+            </p:spPr>
+            <p:style>
+              <a:lnRef idx="0">
+                <a:scrgbClr r="0" g="0" b="0"/>
+              </a:lnRef>
+              <a:fillRef idx="0">
+                <a:scrgbClr r="0" g="0" b="0"/>
+              </a:fillRef>
+              <a:effectRef idx="0">
+                <a:scrgbClr r="0" g="0" b="0"/>
+              </a:effectRef>
+              <a:fontRef idx="minor">
+                <a:schemeClr val="tx1"/>
+              </a:fontRef>
+            </p:style>
+          </p:cxnSp>
+          <p:cxnSp>
+            <p:nvCxnSpPr>
+              <p:cNvPr id="10" name="Gerader Verbinder 9">
+                <a:extLst>
+                  <a:ext uri="{FF2B5EF4-FFF2-40B4-BE49-F238E27FC236}">
+                    <a16:creationId xmlns:a16="http://schemas.microsoft.com/office/drawing/2014/main" id="{BCF5267A-E4C4-4906-B872-1CE61556571C}"/>
+                  </a:ext>
+                </a:extLst>
+              </p:cNvPr>
+              <p:cNvCxnSpPr>
+                <a:cxnSpLocks/>
+              </p:cNvCxnSpPr>
+              <p:nvPr/>
+            </p:nvCxnSpPr>
+            <p:spPr>
+              <a:xfrm flipV="1">
+                <a:off x="5280991" y="848137"/>
+                <a:ext cx="0" cy="2040837"/>
+              </a:xfrm>
+              <a:prstGeom prst="line">
+                <a:avLst/>
+              </a:prstGeom>
+              <a:ln w="9525" cap="flat" cmpd="sng" algn="ctr">
+                <a:solidFill>
+                  <a:schemeClr val="dk1"/>
+                </a:solidFill>
+                <a:prstDash val="dash"/>
+                <a:round/>
+                <a:headEnd type="none" w="med" len="med"/>
+                <a:tailEnd type="none" w="med" len="med"/>
+              </a:ln>
+            </p:spPr>
+            <p:style>
+              <a:lnRef idx="0">
+                <a:scrgbClr r="0" g="0" b="0"/>
+              </a:lnRef>
+              <a:fillRef idx="0">
+                <a:scrgbClr r="0" g="0" b="0"/>
+              </a:fillRef>
+              <a:effectRef idx="0">
+                <a:scrgbClr r="0" g="0" b="0"/>
+              </a:effectRef>
+              <a:fontRef idx="minor">
+                <a:schemeClr val="tx1"/>
+              </a:fontRef>
+            </p:style>
+          </p:cxnSp>
+        </p:grpSp>
+        <p:grpSp>
+          <p:nvGrpSpPr>
+            <p:cNvPr id="2" name="Gruppieren 1">
               <a:extLst>
                 <a:ext uri="{FF2B5EF4-FFF2-40B4-BE49-F238E27FC236}">
-                  <a16:creationId xmlns:a16="http://schemas.microsoft.com/office/drawing/2014/main" id="{7F6E3DFA-1EFC-430A-82A3-CE702F0377B0}"/>
+                  <a16:creationId xmlns:a16="http://schemas.microsoft.com/office/drawing/2014/main" id="{134F7E84-30F9-4AB7-9DD1-69C77D67DF7F}"/>
                 </a:ext>
               </a:extLst>
             </p:cNvPr>
-            <p:cNvSpPr/>
+            <p:cNvGrpSpPr/>
             <p:nvPr/>
-          </p:nvSpPr>
-          <p:spPr>
+          </p:nvGrpSpPr>
+          <p:grpSpPr>
             <a:xfrm>
-              <a:off x="4969565" y="1179443"/>
-              <a:ext cx="622852" cy="1550505"/>
+              <a:off x="2751589" y="955286"/>
+              <a:ext cx="5208104" cy="615400"/>
+              <a:chOff x="2676939" y="3413261"/>
+              <a:chExt cx="5208104" cy="615400"/>
             </a:xfrm>
-            <a:prstGeom prst="rect">
-              <a:avLst/>
-            </a:prstGeom>
-          </p:spPr>
-          <p:style>
-            <a:lnRef idx="2">
-              <a:schemeClr val="accent1">
-                <a:shade val="50000"/>
-              </a:schemeClr>
-            </a:lnRef>
-            <a:fillRef idx="1">
-              <a:schemeClr val="accent1"/>
-            </a:fillRef>
-            <a:effectRef idx="0">
-              <a:schemeClr val="accent1"/>
-            </a:effectRef>
-            <a:fontRef idx="minor">
-              <a:schemeClr val="lt1"/>
-            </a:fontRef>
-          </p:style>
-          <p:txBody>
-            <a:bodyPr rtlCol="0" anchor="ctr"/>
-            <a:lstStyle/>
-            <a:p>
-              <a:pPr algn="ctr"/>
-              <a:endParaRPr lang="de-AT"/>
-            </a:p>
-          </p:txBody>
-        </p:sp>
-        <p:sp>
-          <p:nvSpPr>
-            <p:cNvPr id="7" name="Rechteck 6">
-              <a:extLst>
-                <a:ext uri="{FF2B5EF4-FFF2-40B4-BE49-F238E27FC236}">
-                  <a16:creationId xmlns:a16="http://schemas.microsoft.com/office/drawing/2014/main" id="{B809F9D8-FF6B-4A67-8A58-79BAB5A07830}"/>
-                </a:ext>
-              </a:extLst>
-            </p:cNvPr>
-            <p:cNvSpPr/>
-            <p:nvPr/>
-          </p:nvSpPr>
-          <p:spPr>
-            <a:xfrm>
-              <a:off x="5592417" y="1179442"/>
-              <a:ext cx="2292626" cy="1550505"/>
-            </a:xfrm>
-            <a:prstGeom prst="rect">
-              <a:avLst/>
-            </a:prstGeom>
-            <a:solidFill>
-              <a:schemeClr val="accent1">
-                <a:lumMod val="40000"/>
-                <a:lumOff val="60000"/>
-              </a:schemeClr>
-            </a:solidFill>
-          </p:spPr>
-          <p:style>
-            <a:lnRef idx="2">
-              <a:schemeClr val="accent1">
-                <a:shade val="50000"/>
-              </a:schemeClr>
-            </a:lnRef>
-            <a:fillRef idx="1">
-              <a:schemeClr val="accent1"/>
-            </a:fillRef>
-            <a:effectRef idx="0">
-              <a:schemeClr val="accent1"/>
-            </a:effectRef>
-            <a:fontRef idx="minor">
-              <a:schemeClr val="lt1"/>
-            </a:fontRef>
-          </p:style>
-          <p:txBody>
-            <a:bodyPr rtlCol="0" anchor="ctr"/>
-            <a:lstStyle/>
-            <a:p>
-              <a:pPr algn="ctr"/>
-              <a:endParaRPr lang="de-AT"/>
-            </a:p>
-          </p:txBody>
-        </p:sp>
-        <p:cxnSp>
-          <p:nvCxnSpPr>
-            <p:cNvPr id="9" name="Gerader Verbinder 8">
-              <a:extLst>
-                <a:ext uri="{FF2B5EF4-FFF2-40B4-BE49-F238E27FC236}">
-                  <a16:creationId xmlns:a16="http://schemas.microsoft.com/office/drawing/2014/main" id="{A5BF23A9-3F2C-4F0E-8A49-62D3F72DD677}"/>
-                </a:ext>
-              </a:extLst>
-            </p:cNvPr>
-            <p:cNvCxnSpPr/>
-            <p:nvPr/>
-          </p:nvCxnSpPr>
-          <p:spPr>
-            <a:xfrm>
-              <a:off x="2372139" y="1954694"/>
-              <a:ext cx="5950226" cy="0"/>
-            </a:xfrm>
-            <a:prstGeom prst="line">
-              <a:avLst/>
-            </a:prstGeom>
-            <a:ln w="9525" cap="flat" cmpd="sng" algn="ctr">
+          </p:grpSpPr>
+          <p:sp>
+            <p:nvSpPr>
+              <p:cNvPr id="13" name="Rechteck 12">
+                <a:extLst>
+                  <a:ext uri="{FF2B5EF4-FFF2-40B4-BE49-F238E27FC236}">
+                    <a16:creationId xmlns:a16="http://schemas.microsoft.com/office/drawing/2014/main" id="{5F081E42-045D-4CFB-87F2-0B43057BF892}"/>
+                  </a:ext>
+                </a:extLst>
+              </p:cNvPr>
+              <p:cNvSpPr/>
+              <p:nvPr/>
+            </p:nvSpPr>
+            <p:spPr>
+              <a:xfrm>
+                <a:off x="2676939" y="3429000"/>
+                <a:ext cx="2292626" cy="188843"/>
+              </a:xfrm>
+              <a:prstGeom prst="rect">
+                <a:avLst/>
+              </a:prstGeom>
               <a:solidFill>
-                <a:schemeClr val="dk1"/>
+                <a:schemeClr val="accent1">
+                  <a:lumMod val="40000"/>
+                  <a:lumOff val="60000"/>
+                </a:schemeClr>
               </a:solidFill>
-              <a:prstDash val="dash"/>
-              <a:round/>
-              <a:headEnd type="none" w="med" len="med"/>
-              <a:tailEnd type="none" w="med" len="med"/>
-            </a:ln>
-          </p:spPr>
-          <p:style>
-            <a:lnRef idx="0">
-              <a:scrgbClr r="0" g="0" b="0"/>
-            </a:lnRef>
-            <a:fillRef idx="0">
-              <a:scrgbClr r="0" g="0" b="0"/>
-            </a:fillRef>
-            <a:effectRef idx="0">
-              <a:scrgbClr r="0" g="0" b="0"/>
-            </a:effectRef>
-            <a:fontRef idx="minor">
-              <a:schemeClr val="tx1"/>
-            </a:fontRef>
-          </p:style>
-        </p:cxnSp>
-        <p:cxnSp>
-          <p:nvCxnSpPr>
-            <p:cNvPr id="10" name="Gerader Verbinder 9">
-              <a:extLst>
-                <a:ext uri="{FF2B5EF4-FFF2-40B4-BE49-F238E27FC236}">
-                  <a16:creationId xmlns:a16="http://schemas.microsoft.com/office/drawing/2014/main" id="{BCF5267A-E4C4-4906-B872-1CE61556571C}"/>
-                </a:ext>
-              </a:extLst>
-            </p:cNvPr>
-            <p:cNvCxnSpPr>
-              <a:cxnSpLocks/>
-            </p:cNvCxnSpPr>
-            <p:nvPr/>
-          </p:nvCxnSpPr>
-          <p:spPr>
-            <a:xfrm flipV="1">
-              <a:off x="5280991" y="848137"/>
-              <a:ext cx="0" cy="2040837"/>
-            </a:xfrm>
-            <a:prstGeom prst="line">
-              <a:avLst/>
-            </a:prstGeom>
-            <a:ln w="9525" cap="flat" cmpd="sng" algn="ctr">
+            </p:spPr>
+            <p:style>
+              <a:lnRef idx="2">
+                <a:schemeClr val="accent1">
+                  <a:shade val="50000"/>
+                </a:schemeClr>
+              </a:lnRef>
+              <a:fillRef idx="1">
+                <a:schemeClr val="accent1"/>
+              </a:fillRef>
+              <a:effectRef idx="0">
+                <a:schemeClr val="accent1"/>
+              </a:effectRef>
+              <a:fontRef idx="minor">
+                <a:schemeClr val="lt1"/>
+              </a:fontRef>
+            </p:style>
+            <p:txBody>
+              <a:bodyPr rtlCol="0" anchor="ctr"/>
+              <a:lstStyle/>
+              <a:p>
+                <a:pPr algn="ctr"/>
+                <a:endParaRPr lang="de-AT"/>
+              </a:p>
+            </p:txBody>
+          </p:sp>
+          <p:sp>
+            <p:nvSpPr>
+              <p:cNvPr id="14" name="Rechteck 13">
+                <a:extLst>
+                  <a:ext uri="{FF2B5EF4-FFF2-40B4-BE49-F238E27FC236}">
+                    <a16:creationId xmlns:a16="http://schemas.microsoft.com/office/drawing/2014/main" id="{85DE40D1-795F-402B-9A6C-E7F1FE2B00F8}"/>
+                  </a:ext>
+                </a:extLst>
+              </p:cNvPr>
+              <p:cNvSpPr/>
+              <p:nvPr/>
+            </p:nvSpPr>
+            <p:spPr>
+              <a:xfrm>
+                <a:off x="4303644" y="3617843"/>
+                <a:ext cx="940904" cy="188843"/>
+              </a:xfrm>
+              <a:prstGeom prst="rect">
+                <a:avLst/>
+              </a:prstGeom>
+            </p:spPr>
+            <p:style>
+              <a:lnRef idx="2">
+                <a:schemeClr val="accent1">
+                  <a:shade val="50000"/>
+                </a:schemeClr>
+              </a:lnRef>
+              <a:fillRef idx="1">
+                <a:schemeClr val="accent1"/>
+              </a:fillRef>
+              <a:effectRef idx="0">
+                <a:schemeClr val="accent1"/>
+              </a:effectRef>
+              <a:fontRef idx="minor">
+                <a:schemeClr val="lt1"/>
+              </a:fontRef>
+            </p:style>
+            <p:txBody>
+              <a:bodyPr rtlCol="0" anchor="ctr"/>
+              <a:lstStyle/>
+              <a:p>
+                <a:pPr algn="ctr"/>
+                <a:endParaRPr lang="de-AT"/>
+              </a:p>
+            </p:txBody>
+          </p:sp>
+          <p:sp>
+            <p:nvSpPr>
+              <p:cNvPr id="17" name="Rechteck 16">
+                <a:extLst>
+                  <a:ext uri="{FF2B5EF4-FFF2-40B4-BE49-F238E27FC236}">
+                    <a16:creationId xmlns:a16="http://schemas.microsoft.com/office/drawing/2014/main" id="{3686484F-42E7-4415-ADED-784363519737}"/>
+                  </a:ext>
+                </a:extLst>
+              </p:cNvPr>
+              <p:cNvSpPr/>
+              <p:nvPr/>
+            </p:nvSpPr>
+            <p:spPr>
+              <a:xfrm>
+                <a:off x="5347252" y="3617842"/>
+                <a:ext cx="940904" cy="188843"/>
+              </a:xfrm>
+              <a:prstGeom prst="rect">
+                <a:avLst/>
+              </a:prstGeom>
+            </p:spPr>
+            <p:style>
+              <a:lnRef idx="2">
+                <a:schemeClr val="accent1">
+                  <a:shade val="50000"/>
+                </a:schemeClr>
+              </a:lnRef>
+              <a:fillRef idx="1">
+                <a:schemeClr val="accent1"/>
+              </a:fillRef>
+              <a:effectRef idx="0">
+                <a:schemeClr val="accent1"/>
+              </a:effectRef>
+              <a:fontRef idx="minor">
+                <a:schemeClr val="lt1"/>
+              </a:fontRef>
+            </p:style>
+            <p:txBody>
+              <a:bodyPr rtlCol="0" anchor="ctr"/>
+              <a:lstStyle/>
+              <a:p>
+                <a:pPr algn="ctr"/>
+                <a:endParaRPr lang="de-AT"/>
+              </a:p>
+            </p:txBody>
+          </p:sp>
+          <p:sp>
+            <p:nvSpPr>
+              <p:cNvPr id="18" name="Ellipse 17">
+                <a:extLst>
+                  <a:ext uri="{FF2B5EF4-FFF2-40B4-BE49-F238E27FC236}">
+                    <a16:creationId xmlns:a16="http://schemas.microsoft.com/office/drawing/2014/main" id="{DFCEB843-1F49-4CDC-A8C1-45C555EB7D3A}"/>
+                  </a:ext>
+                </a:extLst>
+              </p:cNvPr>
+              <p:cNvSpPr/>
+              <p:nvPr/>
+            </p:nvSpPr>
+            <p:spPr>
+              <a:xfrm>
+                <a:off x="5141843" y="3569802"/>
+                <a:ext cx="284922" cy="284922"/>
+              </a:xfrm>
+              <a:prstGeom prst="ellipse">
+                <a:avLst/>
+              </a:prstGeom>
+            </p:spPr>
+            <p:style>
+              <a:lnRef idx="2">
+                <a:schemeClr val="accent1">
+                  <a:shade val="50000"/>
+                </a:schemeClr>
+              </a:lnRef>
+              <a:fillRef idx="1">
+                <a:schemeClr val="accent1"/>
+              </a:fillRef>
+              <a:effectRef idx="0">
+                <a:schemeClr val="accent1"/>
+              </a:effectRef>
+              <a:fontRef idx="minor">
+                <a:schemeClr val="lt1"/>
+              </a:fontRef>
+            </p:style>
+            <p:txBody>
+              <a:bodyPr rtlCol="0" anchor="ctr"/>
+              <a:lstStyle/>
+              <a:p>
+                <a:pPr algn="ctr"/>
+                <a:endParaRPr lang="de-AT"/>
+              </a:p>
+            </p:txBody>
+          </p:sp>
+          <p:sp>
+            <p:nvSpPr>
+              <p:cNvPr id="19" name="Rechteck 18">
+                <a:extLst>
+                  <a:ext uri="{FF2B5EF4-FFF2-40B4-BE49-F238E27FC236}">
+                    <a16:creationId xmlns:a16="http://schemas.microsoft.com/office/drawing/2014/main" id="{ED6ABC5C-4EDA-4C5D-AA43-E1EFD1A384A3}"/>
+                  </a:ext>
+                </a:extLst>
+              </p:cNvPr>
+              <p:cNvSpPr/>
+              <p:nvPr/>
+            </p:nvSpPr>
+            <p:spPr>
+              <a:xfrm>
+                <a:off x="5632174" y="3429001"/>
+                <a:ext cx="2252869" cy="188840"/>
+              </a:xfrm>
+              <a:prstGeom prst="rect">
+                <a:avLst/>
+              </a:prstGeom>
               <a:solidFill>
-                <a:schemeClr val="dk1"/>
+                <a:schemeClr val="accent1">
+                  <a:lumMod val="40000"/>
+                  <a:lumOff val="60000"/>
+                </a:schemeClr>
               </a:solidFill>
-              <a:prstDash val="dash"/>
-              <a:round/>
-              <a:headEnd type="none" w="med" len="med"/>
-              <a:tailEnd type="none" w="med" len="med"/>
-            </a:ln>
-          </p:spPr>
-          <p:style>
-            <a:lnRef idx="0">
-              <a:scrgbClr r="0" g="0" b="0"/>
-            </a:lnRef>
-            <a:fillRef idx="0">
-              <a:scrgbClr r="0" g="0" b="0"/>
-            </a:fillRef>
-            <a:effectRef idx="0">
-              <a:scrgbClr r="0" g="0" b="0"/>
-            </a:effectRef>
-            <a:fontRef idx="minor">
-              <a:schemeClr val="tx1"/>
-            </a:fontRef>
-          </p:style>
-        </p:cxnSp>
-        <p:sp>
-          <p:nvSpPr>
-            <p:cNvPr id="13" name="Rechteck 12">
-              <a:extLst>
-                <a:ext uri="{FF2B5EF4-FFF2-40B4-BE49-F238E27FC236}">
-                  <a16:creationId xmlns:a16="http://schemas.microsoft.com/office/drawing/2014/main" id="{5F081E42-045D-4CFB-87F2-0B43057BF892}"/>
-                </a:ext>
-              </a:extLst>
-            </p:cNvPr>
-            <p:cNvSpPr/>
-            <p:nvPr/>
-          </p:nvSpPr>
-          <p:spPr>
-            <a:xfrm>
-              <a:off x="2676939" y="3429000"/>
-              <a:ext cx="2292626" cy="188843"/>
-            </a:xfrm>
-            <a:prstGeom prst="rect">
-              <a:avLst/>
-            </a:prstGeom>
-            <a:solidFill>
-              <a:schemeClr val="accent1">
-                <a:lumMod val="40000"/>
-                <a:lumOff val="60000"/>
-              </a:schemeClr>
-            </a:solidFill>
-          </p:spPr>
-          <p:style>
-            <a:lnRef idx="2">
-              <a:schemeClr val="accent1">
-                <a:shade val="50000"/>
-              </a:schemeClr>
-            </a:lnRef>
-            <a:fillRef idx="1">
-              <a:schemeClr val="accent1"/>
-            </a:fillRef>
-            <a:effectRef idx="0">
-              <a:schemeClr val="accent1"/>
-            </a:effectRef>
-            <a:fontRef idx="minor">
-              <a:schemeClr val="lt1"/>
-            </a:fontRef>
-          </p:style>
-          <p:txBody>
-            <a:bodyPr rtlCol="0" anchor="ctr"/>
-            <a:lstStyle/>
-            <a:p>
-              <a:pPr algn="ctr"/>
-              <a:endParaRPr lang="de-AT"/>
-            </a:p>
-          </p:txBody>
-        </p:sp>
-        <p:sp>
-          <p:nvSpPr>
-            <p:cNvPr id="14" name="Rechteck 13">
-              <a:extLst>
-                <a:ext uri="{FF2B5EF4-FFF2-40B4-BE49-F238E27FC236}">
-                  <a16:creationId xmlns:a16="http://schemas.microsoft.com/office/drawing/2014/main" id="{85DE40D1-795F-402B-9A6C-E7F1FE2B00F8}"/>
-                </a:ext>
-              </a:extLst>
-            </p:cNvPr>
-            <p:cNvSpPr/>
-            <p:nvPr/>
-          </p:nvSpPr>
-          <p:spPr>
-            <a:xfrm>
-              <a:off x="4303644" y="3617843"/>
-              <a:ext cx="940904" cy="188843"/>
-            </a:xfrm>
-            <a:prstGeom prst="rect">
-              <a:avLst/>
-            </a:prstGeom>
-          </p:spPr>
-          <p:style>
-            <a:lnRef idx="2">
-              <a:schemeClr val="accent1">
-                <a:shade val="50000"/>
-              </a:schemeClr>
-            </a:lnRef>
-            <a:fillRef idx="1">
-              <a:schemeClr val="accent1"/>
-            </a:fillRef>
-            <a:effectRef idx="0">
-              <a:schemeClr val="accent1"/>
-            </a:effectRef>
-            <a:fontRef idx="minor">
-              <a:schemeClr val="lt1"/>
-            </a:fontRef>
-          </p:style>
-          <p:txBody>
-            <a:bodyPr rtlCol="0" anchor="ctr"/>
-            <a:lstStyle/>
-            <a:p>
-              <a:pPr algn="ctr"/>
-              <a:endParaRPr lang="de-AT"/>
-            </a:p>
-          </p:txBody>
-        </p:sp>
-        <p:sp>
-          <p:nvSpPr>
-            <p:cNvPr id="17" name="Rechteck 16">
-              <a:extLst>
-                <a:ext uri="{FF2B5EF4-FFF2-40B4-BE49-F238E27FC236}">
-                  <a16:creationId xmlns:a16="http://schemas.microsoft.com/office/drawing/2014/main" id="{3686484F-42E7-4415-ADED-784363519737}"/>
-                </a:ext>
-              </a:extLst>
-            </p:cNvPr>
-            <p:cNvSpPr/>
-            <p:nvPr/>
-          </p:nvSpPr>
-          <p:spPr>
-            <a:xfrm>
-              <a:off x="5347252" y="3617842"/>
-              <a:ext cx="940904" cy="188843"/>
-            </a:xfrm>
-            <a:prstGeom prst="rect">
-              <a:avLst/>
-            </a:prstGeom>
-          </p:spPr>
-          <p:style>
-            <a:lnRef idx="2">
-              <a:schemeClr val="accent1">
-                <a:shade val="50000"/>
-              </a:schemeClr>
-            </a:lnRef>
-            <a:fillRef idx="1">
-              <a:schemeClr val="accent1"/>
-            </a:fillRef>
-            <a:effectRef idx="0">
-              <a:schemeClr val="accent1"/>
-            </a:effectRef>
-            <a:fontRef idx="minor">
-              <a:schemeClr val="lt1"/>
-            </a:fontRef>
-          </p:style>
-          <p:txBody>
-            <a:bodyPr rtlCol="0" anchor="ctr"/>
-            <a:lstStyle/>
-            <a:p>
-              <a:pPr algn="ctr"/>
-              <a:endParaRPr lang="de-AT"/>
-            </a:p>
-          </p:txBody>
-        </p:sp>
-        <p:sp>
-          <p:nvSpPr>
-            <p:cNvPr id="18" name="Ellipse 17">
-              <a:extLst>
-                <a:ext uri="{FF2B5EF4-FFF2-40B4-BE49-F238E27FC236}">
-                  <a16:creationId xmlns:a16="http://schemas.microsoft.com/office/drawing/2014/main" id="{DFCEB843-1F49-4CDC-A8C1-45C555EB7D3A}"/>
-                </a:ext>
-              </a:extLst>
-            </p:cNvPr>
-            <p:cNvSpPr/>
-            <p:nvPr/>
-          </p:nvSpPr>
-          <p:spPr>
-            <a:xfrm>
-              <a:off x="5141843" y="3569802"/>
-              <a:ext cx="284922" cy="284922"/>
-            </a:xfrm>
-            <a:prstGeom prst="ellipse">
-              <a:avLst/>
-            </a:prstGeom>
-          </p:spPr>
-          <p:style>
-            <a:lnRef idx="2">
-              <a:schemeClr val="accent1">
-                <a:shade val="50000"/>
-              </a:schemeClr>
-            </a:lnRef>
-            <a:fillRef idx="1">
-              <a:schemeClr val="accent1"/>
-            </a:fillRef>
-            <a:effectRef idx="0">
-              <a:schemeClr val="accent1"/>
-            </a:effectRef>
-            <a:fontRef idx="minor">
-              <a:schemeClr val="lt1"/>
-            </a:fontRef>
-          </p:style>
-          <p:txBody>
-            <a:bodyPr rtlCol="0" anchor="ctr"/>
-            <a:lstStyle/>
-            <a:p>
-              <a:pPr algn="ctr"/>
-              <a:endParaRPr lang="de-AT"/>
-            </a:p>
-          </p:txBody>
-        </p:sp>
-        <p:sp>
-          <p:nvSpPr>
-            <p:cNvPr id="19" name="Rechteck 18">
-              <a:extLst>
-                <a:ext uri="{FF2B5EF4-FFF2-40B4-BE49-F238E27FC236}">
-                  <a16:creationId xmlns:a16="http://schemas.microsoft.com/office/drawing/2014/main" id="{ED6ABC5C-4EDA-4C5D-AA43-E1EFD1A384A3}"/>
-                </a:ext>
-              </a:extLst>
-            </p:cNvPr>
-            <p:cNvSpPr/>
-            <p:nvPr/>
-          </p:nvSpPr>
-          <p:spPr>
-            <a:xfrm>
-              <a:off x="5632174" y="3429001"/>
-              <a:ext cx="2252869" cy="188840"/>
-            </a:xfrm>
-            <a:prstGeom prst="rect">
-              <a:avLst/>
-            </a:prstGeom>
-            <a:solidFill>
-              <a:schemeClr val="accent1">
-                <a:lumMod val="40000"/>
-                <a:lumOff val="60000"/>
-              </a:schemeClr>
-            </a:solidFill>
-          </p:spPr>
-          <p:style>
-            <a:lnRef idx="2">
-              <a:schemeClr val="accent1">
-                <a:shade val="50000"/>
-              </a:schemeClr>
-            </a:lnRef>
-            <a:fillRef idx="1">
-              <a:schemeClr val="accent1"/>
-            </a:fillRef>
-            <a:effectRef idx="0">
-              <a:schemeClr val="accent1"/>
-            </a:effectRef>
-            <a:fontRef idx="minor">
-              <a:schemeClr val="lt1"/>
-            </a:fontRef>
-          </p:style>
-          <p:txBody>
-            <a:bodyPr rtlCol="0" anchor="ctr"/>
-            <a:lstStyle/>
-            <a:p>
-              <a:pPr algn="ctr"/>
-              <a:endParaRPr lang="de-AT"/>
-            </a:p>
-          </p:txBody>
-        </p:sp>
-        <p:cxnSp>
-          <p:nvCxnSpPr>
-            <p:cNvPr id="20" name="Gerader Verbinder 19">
-              <a:extLst>
-                <a:ext uri="{FF2B5EF4-FFF2-40B4-BE49-F238E27FC236}">
-                  <a16:creationId xmlns:a16="http://schemas.microsoft.com/office/drawing/2014/main" id="{C60590FD-6191-48B7-9869-7AD6C0D18A84}"/>
-                </a:ext>
-              </a:extLst>
-            </p:cNvPr>
-            <p:cNvCxnSpPr>
-              <a:cxnSpLocks/>
-            </p:cNvCxnSpPr>
-            <p:nvPr/>
-          </p:nvCxnSpPr>
-          <p:spPr>
-            <a:xfrm flipV="1">
-              <a:off x="5280991" y="3413261"/>
-              <a:ext cx="0" cy="615400"/>
-            </a:xfrm>
-            <a:prstGeom prst="line">
-              <a:avLst/>
-            </a:prstGeom>
-            <a:ln w="9525" cap="flat" cmpd="sng" algn="ctr">
-              <a:solidFill>
-                <a:schemeClr val="dk1"/>
-              </a:solidFill>
-              <a:prstDash val="dash"/>
-              <a:round/>
-              <a:headEnd type="none" w="med" len="med"/>
-              <a:tailEnd type="none" w="med" len="med"/>
-            </a:ln>
-          </p:spPr>
-          <p:style>
-            <a:lnRef idx="0">
-              <a:scrgbClr r="0" g="0" b="0"/>
-            </a:lnRef>
-            <a:fillRef idx="0">
-              <a:scrgbClr r="0" g="0" b="0"/>
-            </a:fillRef>
-            <a:effectRef idx="0">
-              <a:scrgbClr r="0" g="0" b="0"/>
-            </a:effectRef>
-            <a:fontRef idx="minor">
-              <a:schemeClr val="tx1"/>
-            </a:fontRef>
-          </p:style>
-        </p:cxnSp>
+            </p:spPr>
+            <p:style>
+              <a:lnRef idx="2">
+                <a:schemeClr val="accent1">
+                  <a:shade val="50000"/>
+                </a:schemeClr>
+              </a:lnRef>
+              <a:fillRef idx="1">
+                <a:schemeClr val="accent1"/>
+              </a:fillRef>
+              <a:effectRef idx="0">
+                <a:schemeClr val="accent1"/>
+              </a:effectRef>
+              <a:fontRef idx="minor">
+                <a:schemeClr val="lt1"/>
+              </a:fontRef>
+            </p:style>
+            <p:txBody>
+              <a:bodyPr rtlCol="0" anchor="ctr"/>
+              <a:lstStyle/>
+              <a:p>
+                <a:pPr algn="ctr"/>
+                <a:endParaRPr lang="de-AT"/>
+              </a:p>
+            </p:txBody>
+          </p:sp>
+          <p:cxnSp>
+            <p:nvCxnSpPr>
+              <p:cNvPr id="20" name="Gerader Verbinder 19">
+                <a:extLst>
+                  <a:ext uri="{FF2B5EF4-FFF2-40B4-BE49-F238E27FC236}">
+                    <a16:creationId xmlns:a16="http://schemas.microsoft.com/office/drawing/2014/main" id="{C60590FD-6191-48B7-9869-7AD6C0D18A84}"/>
+                  </a:ext>
+                </a:extLst>
+              </p:cNvPr>
+              <p:cNvCxnSpPr>
+                <a:cxnSpLocks/>
+              </p:cNvCxnSpPr>
+              <p:nvPr/>
+            </p:nvCxnSpPr>
+            <p:spPr>
+              <a:xfrm flipV="1">
+                <a:off x="5280991" y="3413261"/>
+                <a:ext cx="0" cy="615400"/>
+              </a:xfrm>
+              <a:prstGeom prst="line">
+                <a:avLst/>
+              </a:prstGeom>
+              <a:ln w="9525" cap="flat" cmpd="sng" algn="ctr">
+                <a:solidFill>
+                  <a:schemeClr val="dk1"/>
+                </a:solidFill>
+                <a:prstDash val="dash"/>
+                <a:round/>
+                <a:headEnd type="none" w="med" len="med"/>
+                <a:tailEnd type="none" w="med" len="med"/>
+              </a:ln>
+            </p:spPr>
+            <p:style>
+              <a:lnRef idx="0">
+                <a:scrgbClr r="0" g="0" b="0"/>
+              </a:lnRef>
+              <a:fillRef idx="0">
+                <a:scrgbClr r="0" g="0" b="0"/>
+              </a:fillRef>
+              <a:effectRef idx="0">
+                <a:scrgbClr r="0" g="0" b="0"/>
+              </a:effectRef>
+              <a:fontRef idx="minor">
+                <a:schemeClr val="tx1"/>
+              </a:fontRef>
+            </p:style>
+          </p:cxnSp>
+        </p:grpSp>
       </p:grpSp>
     </p:spTree>
     <p:extLst>
